--- a/Decomposition of Drug Substance Use on Health Dispositions.pptx
+++ b/Decomposition of Drug Substance Use on Health Dispositions.pptx
@@ -233,7 +233,7 @@
           <a:p>
             <a:fld id="{B56F32FC-4BD9-442A-A8C6-51598C909FE3}" type="datetimeFigureOut">
               <a:rPr lang="en-US" smtClean="0"/>
-              <a:t>2025-03-02</a:t>
+              <a:t>2025-03-03</a:t>
             </a:fld>
             <a:endParaRPr lang="en-US" dirty="0"/>
           </a:p>
@@ -410,7 +410,7 @@
           <a:p>
             <a:fld id="{056371FA-A98D-41E8-93F4-09945841298A}" type="datetimeFigureOut">
               <a:rPr lang="en-US" smtClean="0"/>
-              <a:t>2025-03-02</a:t>
+              <a:t>2025-03-03</a:t>
             </a:fld>
             <a:endParaRPr lang="en-US" dirty="0"/>
           </a:p>
@@ -8773,7 +8773,7 @@
             <p:ph type="tbl" sz="quarter" idx="14"/>
             <p:extLst>
               <p:ext uri="{D42A27DB-BD31-4B8C-83A1-F6EECF244321}">
-                <p14:modId xmlns:p14="http://schemas.microsoft.com/office/powerpoint/2010/main" val="3309163111"/>
+                <p14:modId xmlns:p14="http://schemas.microsoft.com/office/powerpoint/2010/main" val="3614517262"/>
               </p:ext>
             </p:extLst>
           </p:nvPr>
@@ -8848,7 +8848,7 @@
                       <a:pPr algn="ctr"/>
                       <a:r>
                         <a:rPr lang="en-US" dirty="0"/>
-                        <a:t>Logistic Regression</a:t>
+                        <a:t>Logistic</a:t>
                       </a:r>
                     </a:p>
                   </a:txBody>
@@ -8883,7 +8883,7 @@
                       <a:pPr algn="ctr"/>
                       <a:r>
                         <a:rPr lang="en-US" dirty="0"/>
-                        <a:t>Random Forest Regression</a:t>
+                        <a:t>Random Forest</a:t>
                       </a:r>
                     </a:p>
                   </a:txBody>
@@ -8918,7 +8918,7 @@
                       <a:pPr algn="ctr"/>
                       <a:r>
                         <a:rPr lang="en-US" dirty="0"/>
-                        <a:t>Gradient Booster Regression</a:t>
+                        <a:t>Gradient Booster</a:t>
                       </a:r>
                     </a:p>
                   </a:txBody>
@@ -11115,7 +11115,7 @@
         <p:spPr>
           <a:xfrm>
             <a:off x="4267200" y="3238103"/>
-            <a:ext cx="4179570" cy="2850181"/>
+            <a:ext cx="6099208" cy="2850181"/>
           </a:xfrm>
         </p:spPr>
         <p:txBody>
@@ -11128,6 +11128,18 @@
               <a:rPr lang="en-US" dirty="0"/>
               <a:t>AJ Marcus</a:t>
             </a:r>
+          </a:p>
+          <a:p>
+            <a:endParaRPr lang="en-US" dirty="0"/>
+          </a:p>
+          <a:p>
+            <a:r>
+              <a:rPr lang="en-US" dirty="0">
+                <a:hlinkClick r:id="rId3"/>
+              </a:rPr>
+              <a:t>https://github.com/Malekyte/national-drug-use.git</a:t>
+            </a:r>
+            <a:endParaRPr lang="en-US" dirty="0"/>
           </a:p>
           <a:p>
             <a:endParaRPr lang="en-US" dirty="0"/>
